--- a/laporan ppt/kelompok4-xtjkt.pptx
+++ b/laporan ppt/kelompok4-xtjkt.pptx
@@ -15,8 +15,14 @@
     <p:sldId id="263" r:id="rId9"/>
     <p:sldId id="264" r:id="rId10"/>
     <p:sldId id="265" r:id="rId11"/>
-    <p:sldId id="266" r:id="rId12"/>
-    <p:sldId id="267" r:id="rId13"/>
+    <p:sldId id="268" r:id="rId12"/>
+    <p:sldId id="269" r:id="rId13"/>
+    <p:sldId id="270" r:id="rId14"/>
+    <p:sldId id="271" r:id="rId15"/>
+    <p:sldId id="272" r:id="rId16"/>
+    <p:sldId id="273" r:id="rId17"/>
+    <p:sldId id="266" r:id="rId18"/>
+    <p:sldId id="267" r:id="rId19"/>
   </p:sldIdLst>
   <p:sldSz cx="12192000" cy="6858000"/>
   <p:notesSz cx="6858000" cy="9144000"/>
@@ -115,6 +121,11 @@
       </a:defRPr>
     </a:lvl9pPr>
   </p:defaultTextStyle>
+  <p:extLst>
+    <p:ext uri="{EFAFB233-063F-42B5-8137-9DF3F51BA10A}">
+      <p15:sldGuideLst xmlns:p15="http://schemas.microsoft.com/office/powerpoint/2012/main"/>
+    </p:ext>
+  </p:extLst>
 </p:presentation>
 </file>
 
@@ -453,7 +464,7 @@
           <a:p>
             <a:fld id="{7DA61E9C-57E5-4628-A8F2-9EA1FEFE325F}" type="datetimeFigureOut">
               <a:rPr lang="en-US" smtClean="0"/>
-              <a:t>5/11/2025</a:t>
+              <a:t>5/22/2025</a:t>
             </a:fld>
             <a:endParaRPr lang="en-US"/>
           </a:p>
@@ -1541,7 +1552,7 @@
           <a:p>
             <a:fld id="{7DA61E9C-57E5-4628-A8F2-9EA1FEFE325F}" type="datetimeFigureOut">
               <a:rPr lang="en-US" smtClean="0"/>
-              <a:t>5/11/2025</a:t>
+              <a:t>5/22/2025</a:t>
             </a:fld>
             <a:endParaRPr lang="en-US"/>
           </a:p>
@@ -2521,7 +2532,7 @@
           <a:p>
             <a:fld id="{7DA61E9C-57E5-4628-A8F2-9EA1FEFE325F}" type="datetimeFigureOut">
               <a:rPr lang="en-US" smtClean="0"/>
-              <a:t>5/11/2025</a:t>
+              <a:t>5/22/2025</a:t>
             </a:fld>
             <a:endParaRPr lang="en-US"/>
           </a:p>
@@ -3655,7 +3666,7 @@
           <a:p>
             <a:fld id="{7DA61E9C-57E5-4628-A8F2-9EA1FEFE325F}" type="datetimeFigureOut">
               <a:rPr lang="en-US" smtClean="0"/>
-              <a:t>5/11/2025</a:t>
+              <a:t>5/22/2025</a:t>
             </a:fld>
             <a:endParaRPr lang="en-US"/>
           </a:p>
@@ -4688,7 +4699,7 @@
           <a:p>
             <a:fld id="{7DA61E9C-57E5-4628-A8F2-9EA1FEFE325F}" type="datetimeFigureOut">
               <a:rPr lang="en-US" smtClean="0"/>
-              <a:t>5/11/2025</a:t>
+              <a:t>5/22/2025</a:t>
             </a:fld>
             <a:endParaRPr lang="en-US"/>
           </a:p>
@@ -5348,7 +5359,7 @@
           <a:p>
             <a:fld id="{7DA61E9C-57E5-4628-A8F2-9EA1FEFE325F}" type="datetimeFigureOut">
               <a:rPr lang="en-US" smtClean="0"/>
-              <a:t>5/11/2025</a:t>
+              <a:t>5/22/2025</a:t>
             </a:fld>
             <a:endParaRPr lang="en-US"/>
           </a:p>
@@ -6209,7 +6220,7 @@
           <a:p>
             <a:fld id="{7DA61E9C-57E5-4628-A8F2-9EA1FEFE325F}" type="datetimeFigureOut">
               <a:rPr lang="en-US" smtClean="0"/>
-              <a:t>5/11/2025</a:t>
+              <a:t>5/22/2025</a:t>
             </a:fld>
             <a:endParaRPr lang="en-US"/>
           </a:p>
@@ -6399,7 +6410,7 @@
           <a:p>
             <a:fld id="{7DA61E9C-57E5-4628-A8F2-9EA1FEFE325F}" type="datetimeFigureOut">
               <a:rPr lang="en-US" smtClean="0"/>
-              <a:t>5/11/2025</a:t>
+              <a:t>5/22/2025</a:t>
             </a:fld>
             <a:endParaRPr lang="en-US"/>
           </a:p>
@@ -7371,7 +7382,7 @@
           <a:p>
             <a:fld id="{7DA61E9C-57E5-4628-A8F2-9EA1FEFE325F}" type="datetimeFigureOut">
               <a:rPr lang="en-US" smtClean="0"/>
-              <a:t>5/11/2025</a:t>
+              <a:t>5/22/2025</a:t>
             </a:fld>
             <a:endParaRPr lang="en-US"/>
           </a:p>
@@ -7582,7 +7593,7 @@
           <a:p>
             <a:fld id="{7DA61E9C-57E5-4628-A8F2-9EA1FEFE325F}" type="datetimeFigureOut">
               <a:rPr lang="en-US" smtClean="0"/>
-              <a:t>5/11/2025</a:t>
+              <a:t>5/22/2025</a:t>
             </a:fld>
             <a:endParaRPr lang="en-US"/>
           </a:p>
@@ -8616,7 +8627,7 @@
           <a:p>
             <a:fld id="{7DA61E9C-57E5-4628-A8F2-9EA1FEFE325F}" type="datetimeFigureOut">
               <a:rPr lang="en-US" smtClean="0"/>
-              <a:t>5/11/2025</a:t>
+              <a:t>5/22/2025</a:t>
             </a:fld>
             <a:endParaRPr lang="en-US"/>
           </a:p>
@@ -8888,7 +8899,7 @@
           <a:p>
             <a:fld id="{7DA61E9C-57E5-4628-A8F2-9EA1FEFE325F}" type="datetimeFigureOut">
               <a:rPr lang="en-US" smtClean="0"/>
-              <a:t>5/11/2025</a:t>
+              <a:t>5/22/2025</a:t>
             </a:fld>
             <a:endParaRPr lang="en-US"/>
           </a:p>
@@ -9298,7 +9309,7 @@
           <a:p>
             <a:fld id="{7DA61E9C-57E5-4628-A8F2-9EA1FEFE325F}" type="datetimeFigureOut">
               <a:rPr lang="en-US" smtClean="0"/>
-              <a:t>5/11/2025</a:t>
+              <a:t>5/22/2025</a:t>
             </a:fld>
             <a:endParaRPr lang="en-US"/>
           </a:p>
@@ -9425,7 +9436,7 @@
           <a:p>
             <a:fld id="{7DA61E9C-57E5-4628-A8F2-9EA1FEFE325F}" type="datetimeFigureOut">
               <a:rPr lang="en-US" smtClean="0"/>
-              <a:t>5/11/2025</a:t>
+              <a:t>5/22/2025</a:t>
             </a:fld>
             <a:endParaRPr lang="en-US"/>
           </a:p>
@@ -9520,7 +9531,7 @@
           <a:p>
             <a:fld id="{7DA61E9C-57E5-4628-A8F2-9EA1FEFE325F}" type="datetimeFigureOut">
               <a:rPr lang="en-US" smtClean="0"/>
-              <a:t>5/11/2025</a:t>
+              <a:t>5/22/2025</a:t>
             </a:fld>
             <a:endParaRPr lang="en-US"/>
           </a:p>
@@ -10601,7 +10612,7 @@
           <a:p>
             <a:fld id="{7DA61E9C-57E5-4628-A8F2-9EA1FEFE325F}" type="datetimeFigureOut">
               <a:rPr lang="en-US" smtClean="0"/>
-              <a:t>5/11/2025</a:t>
+              <a:t>5/22/2025</a:t>
             </a:fld>
             <a:endParaRPr lang="en-US"/>
           </a:p>
@@ -11709,7 +11720,7 @@
           <a:p>
             <a:fld id="{7DA61E9C-57E5-4628-A8F2-9EA1FEFE325F}" type="datetimeFigureOut">
               <a:rPr lang="en-US" smtClean="0"/>
-              <a:t>5/11/2025</a:t>
+              <a:t>5/22/2025</a:t>
             </a:fld>
             <a:endParaRPr lang="en-US"/>
           </a:p>
@@ -12706,7 +12717,7 @@
           <a:p>
             <a:fld id="{7DA61E9C-57E5-4628-A8F2-9EA1FEFE325F}" type="datetimeFigureOut">
               <a:rPr lang="en-US" smtClean="0"/>
-              <a:t>5/11/2025</a:t>
+              <a:t>5/22/2025</a:t>
             </a:fld>
             <a:endParaRPr lang="en-US"/>
           </a:p>
@@ -13469,23 +13480,7 @@
             </a:pPr>
             <a:r>
               <a:rPr lang="en-US" dirty="0"/>
-              <a:t>Halaman </a:t>
-            </a:r>
-            <a:r>
-              <a:rPr lang="en-US" b="1" dirty="0"/>
-              <a:t>Register</a:t>
-            </a:r>
-            <a:r>
-              <a:rPr lang="en-US" dirty="0"/>
-              <a:t> di </a:t>
-            </a:r>
-            <a:r>
-              <a:rPr lang="en-US" b="1" dirty="0"/>
-              <a:t>Jawa Cafe</a:t>
-            </a:r>
-            <a:r>
-              <a:rPr lang="en-US" dirty="0"/>
-              <a:t> </a:t>
+              <a:t>Halaman register </a:t>
             </a:r>
             <a:r>
               <a:rPr lang="en-US" dirty="0" err="1"/>
@@ -13751,185 +13746,6 @@
               <a:rPr lang="en-US" dirty="0"/>
               <a:t>.</a:t>
             </a:r>
-          </a:p>
-          <a:p>
-            <a:r>
-              <a:rPr lang="en-US" dirty="0"/>
-              <a:t>Tujuan </a:t>
-            </a:r>
-            <a:r>
-              <a:rPr lang="en-US" dirty="0" err="1"/>
-              <a:t>dari</a:t>
-            </a:r>
-            <a:r>
-              <a:rPr lang="en-US" dirty="0"/>
-              <a:t> </a:t>
-            </a:r>
-            <a:r>
-              <a:rPr lang="en-US" dirty="0" err="1"/>
-              <a:t>halaman</a:t>
-            </a:r>
-            <a:r>
-              <a:rPr lang="en-US" dirty="0"/>
-              <a:t> </a:t>
-            </a:r>
-            <a:r>
-              <a:rPr lang="en-US" dirty="0" err="1"/>
-              <a:t>registrasi</a:t>
-            </a:r>
-            <a:r>
-              <a:rPr lang="en-US" dirty="0"/>
-              <a:t> </a:t>
-            </a:r>
-            <a:r>
-              <a:rPr lang="en-US" dirty="0" err="1"/>
-              <a:t>ini</a:t>
-            </a:r>
-            <a:r>
-              <a:rPr lang="en-US" dirty="0"/>
-              <a:t> </a:t>
-            </a:r>
-            <a:r>
-              <a:rPr lang="en-US" dirty="0" err="1"/>
-              <a:t>adalah</a:t>
-            </a:r>
-            <a:r>
-              <a:rPr lang="en-US" dirty="0"/>
-              <a:t> </a:t>
-            </a:r>
-            <a:r>
-              <a:rPr lang="en-US" dirty="0" err="1"/>
-              <a:t>untuk</a:t>
-            </a:r>
-            <a:r>
-              <a:rPr lang="en-US" dirty="0"/>
-              <a:t> </a:t>
-            </a:r>
-            <a:r>
-              <a:rPr lang="en-US" dirty="0" err="1"/>
-              <a:t>memberi</a:t>
-            </a:r>
-            <a:r>
-              <a:rPr lang="en-US" dirty="0"/>
-              <a:t> </a:t>
-            </a:r>
-            <a:r>
-              <a:rPr lang="en-US" dirty="0" err="1"/>
-              <a:t>pengalaman</a:t>
-            </a:r>
-            <a:r>
-              <a:rPr lang="en-US" dirty="0"/>
-              <a:t> yang </a:t>
-            </a:r>
-            <a:r>
-              <a:rPr lang="en-US" dirty="0" err="1"/>
-              <a:t>lebih</a:t>
-            </a:r>
-            <a:r>
-              <a:rPr lang="en-US" dirty="0"/>
-              <a:t> </a:t>
-            </a:r>
-            <a:r>
-              <a:rPr lang="en-US" dirty="0" err="1"/>
-              <a:t>terhubung</a:t>
-            </a:r>
-            <a:r>
-              <a:rPr lang="en-US" dirty="0"/>
-              <a:t> dan </a:t>
-            </a:r>
-            <a:r>
-              <a:rPr lang="en-US" dirty="0" err="1"/>
-              <a:t>memudahkan</a:t>
-            </a:r>
-            <a:r>
-              <a:rPr lang="en-US" dirty="0"/>
-              <a:t> </a:t>
-            </a:r>
-            <a:r>
-              <a:rPr lang="en-US" dirty="0" err="1"/>
-              <a:t>pelanggan</a:t>
-            </a:r>
-            <a:r>
-              <a:rPr lang="en-US" dirty="0"/>
-              <a:t> </a:t>
-            </a:r>
-            <a:r>
-              <a:rPr lang="en-US" dirty="0" err="1"/>
-              <a:t>dalam</a:t>
-            </a:r>
-            <a:r>
-              <a:rPr lang="en-US" dirty="0"/>
-              <a:t> </a:t>
-            </a:r>
-            <a:r>
-              <a:rPr lang="en-US" dirty="0" err="1"/>
-              <a:t>melakukan</a:t>
-            </a:r>
-            <a:r>
-              <a:rPr lang="en-US" dirty="0"/>
-              <a:t> </a:t>
-            </a:r>
-            <a:r>
-              <a:rPr lang="en-US" dirty="0" err="1"/>
-              <a:t>pemesanan</a:t>
-            </a:r>
-            <a:r>
-              <a:rPr lang="en-US" dirty="0"/>
-              <a:t> </a:t>
-            </a:r>
-            <a:r>
-              <a:rPr lang="en-US" dirty="0" err="1"/>
-              <a:t>berulang</a:t>
-            </a:r>
-            <a:r>
-              <a:rPr lang="en-US" dirty="0"/>
-              <a:t> </a:t>
-            </a:r>
-            <a:r>
-              <a:rPr lang="en-US" dirty="0" err="1"/>
-              <a:t>atau</a:t>
-            </a:r>
-            <a:r>
-              <a:rPr lang="en-US" dirty="0"/>
-              <a:t> </a:t>
-            </a:r>
-            <a:r>
-              <a:rPr lang="en-US" dirty="0" err="1"/>
-              <a:t>mendapatkan</a:t>
-            </a:r>
-            <a:r>
-              <a:rPr lang="en-US" dirty="0"/>
-              <a:t> </a:t>
-            </a:r>
-            <a:r>
-              <a:rPr lang="en-US" dirty="0" err="1"/>
-              <a:t>informasi</a:t>
-            </a:r>
-            <a:r>
-              <a:rPr lang="en-US" dirty="0"/>
-              <a:t> </a:t>
-            </a:r>
-            <a:r>
-              <a:rPr lang="en-US" dirty="0" err="1"/>
-              <a:t>terbaru</a:t>
-            </a:r>
-            <a:r>
-              <a:rPr lang="en-US" dirty="0"/>
-              <a:t> </a:t>
-            </a:r>
-            <a:r>
-              <a:rPr lang="en-US" dirty="0" err="1"/>
-              <a:t>dari</a:t>
-            </a:r>
-            <a:r>
-              <a:rPr lang="en-US" dirty="0"/>
-              <a:t> </a:t>
-            </a:r>
-            <a:r>
-              <a:rPr lang="en-US" b="1" dirty="0"/>
-              <a:t>Jawa Cafe</a:t>
-            </a:r>
-            <a:endParaRPr lang="en-US" dirty="0"/>
           </a:p>
           <a:p>
             <a:endParaRPr lang="en-US" dirty="0"/>
@@ -13950,6 +13766,814 @@
 </file>
 
 <file path=ppt/slides/slide11.xml><?xml version="1.0" encoding="utf-8"?>
+<p:sld xmlns:a="http://schemas.openxmlformats.org/drawingml/2006/main" xmlns:r="http://schemas.openxmlformats.org/officeDocument/2006/relationships" xmlns:p="http://schemas.openxmlformats.org/presentationml/2006/main">
+  <p:cSld>
+    <p:spTree>
+      <p:nvGrpSpPr>
+        <p:cNvPr id="1" name="">
+          <a:extLst>
+            <a:ext uri="{FF2B5EF4-FFF2-40B4-BE49-F238E27FC236}">
+              <a16:creationId xmlns:a16="http://schemas.microsoft.com/office/drawing/2014/main" id="{257807EE-03D3-54D9-184C-0F5306B2D7FD}"/>
+            </a:ext>
+          </a:extLst>
+        </p:cNvPr>
+        <p:cNvGrpSpPr/>
+        <p:nvPr/>
+      </p:nvGrpSpPr>
+      <p:grpSpPr>
+        <a:xfrm>
+          <a:off x="0" y="0"/>
+          <a:ext cx="0" cy="0"/>
+          <a:chOff x="0" y="0"/>
+          <a:chExt cx="0" cy="0"/>
+        </a:xfrm>
+      </p:grpSpPr>
+      <p:pic>
+        <p:nvPicPr>
+          <p:cNvPr id="5" name="Picture 4">
+            <a:extLst>
+              <a:ext uri="{FF2B5EF4-FFF2-40B4-BE49-F238E27FC236}">
+                <a16:creationId xmlns:a16="http://schemas.microsoft.com/office/drawing/2014/main" id="{2035CF58-4B0F-6E18-2D3A-C577363DA8C7}"/>
+              </a:ext>
+            </a:extLst>
+          </p:cNvPr>
+          <p:cNvPicPr>
+            <a:picLocks noChangeAspect="1"/>
+          </p:cNvPicPr>
+          <p:nvPr/>
+        </p:nvPicPr>
+        <p:blipFill>
+          <a:blip r:embed="rId2">
+            <a:extLst>
+              <a:ext uri="{28A0092B-C50C-407E-A947-70E740481C1C}">
+                <a14:useLocalDpi xmlns:a14="http://schemas.microsoft.com/office/drawing/2010/main" val="0"/>
+              </a:ext>
+            </a:extLst>
+          </a:blip>
+          <a:srcRect/>
+          <a:stretch/>
+        </p:blipFill>
+        <p:spPr>
+          <a:xfrm>
+            <a:off x="241636" y="393170"/>
+            <a:ext cx="11235189" cy="5893330"/>
+          </a:xfrm>
+          <a:prstGeom prst="rect">
+            <a:avLst/>
+          </a:prstGeom>
+        </p:spPr>
+      </p:pic>
+      <p:sp>
+        <p:nvSpPr>
+          <p:cNvPr id="2" name="Title 1">
+            <a:extLst>
+              <a:ext uri="{FF2B5EF4-FFF2-40B4-BE49-F238E27FC236}">
+                <a16:creationId xmlns:a16="http://schemas.microsoft.com/office/drawing/2014/main" id="{1E6FE38E-7183-757D-09F6-962087C23B19}"/>
+              </a:ext>
+            </a:extLst>
+          </p:cNvPr>
+          <p:cNvSpPr>
+            <a:spLocks noGrp="1"/>
+          </p:cNvSpPr>
+          <p:nvPr>
+            <p:ph type="title"/>
+          </p:nvPr>
+        </p:nvSpPr>
+        <p:spPr/>
+        <p:txBody>
+          <a:bodyPr/>
+          <a:lstStyle/>
+          <a:p>
+            <a:r>
+              <a:rPr lang="en-US" b="1" dirty="0">
+                <a:solidFill>
+                  <a:schemeClr val="accent1"/>
+                </a:solidFill>
+              </a:rPr>
+              <a:t>7. Dashboard</a:t>
+            </a:r>
+          </a:p>
+        </p:txBody>
+      </p:sp>
+    </p:spTree>
+    <p:extLst>
+      <p:ext uri="{BB962C8B-B14F-4D97-AF65-F5344CB8AC3E}">
+        <p14:creationId xmlns:p14="http://schemas.microsoft.com/office/powerpoint/2010/main" val="4058865046"/>
+      </p:ext>
+    </p:extLst>
+  </p:cSld>
+  <p:clrMapOvr>
+    <a:masterClrMapping/>
+  </p:clrMapOvr>
+</p:sld>
+</file>
+
+<file path=ppt/slides/slide12.xml><?xml version="1.0" encoding="utf-8"?>
+<p:sld xmlns:a="http://schemas.openxmlformats.org/drawingml/2006/main" xmlns:r="http://schemas.openxmlformats.org/officeDocument/2006/relationships" xmlns:p="http://schemas.openxmlformats.org/presentationml/2006/main">
+  <p:cSld>
+    <p:spTree>
+      <p:nvGrpSpPr>
+        <p:cNvPr id="1" name="">
+          <a:extLst>
+            <a:ext uri="{FF2B5EF4-FFF2-40B4-BE49-F238E27FC236}">
+              <a16:creationId xmlns:a16="http://schemas.microsoft.com/office/drawing/2014/main" id="{5607E1DE-1C29-7AC6-64F3-E218BA40BA09}"/>
+            </a:ext>
+          </a:extLst>
+        </p:cNvPr>
+        <p:cNvGrpSpPr/>
+        <p:nvPr/>
+      </p:nvGrpSpPr>
+      <p:grpSpPr>
+        <a:xfrm>
+          <a:off x="0" y="0"/>
+          <a:ext cx="0" cy="0"/>
+          <a:chOff x="0" y="0"/>
+          <a:chExt cx="0" cy="0"/>
+        </a:xfrm>
+      </p:grpSpPr>
+      <p:sp>
+        <p:nvSpPr>
+          <p:cNvPr id="2" name="Title 1">
+            <a:extLst>
+              <a:ext uri="{FF2B5EF4-FFF2-40B4-BE49-F238E27FC236}">
+                <a16:creationId xmlns:a16="http://schemas.microsoft.com/office/drawing/2014/main" id="{241E62C0-6B96-8DB7-BB47-3C7C7A06C920}"/>
+              </a:ext>
+            </a:extLst>
+          </p:cNvPr>
+          <p:cNvSpPr>
+            <a:spLocks noGrp="1"/>
+          </p:cNvSpPr>
+          <p:nvPr>
+            <p:ph type="title"/>
+          </p:nvPr>
+        </p:nvSpPr>
+        <p:spPr/>
+        <p:txBody>
+          <a:bodyPr/>
+          <a:lstStyle/>
+          <a:p>
+            <a:r>
+              <a:rPr lang="en-US" dirty="0" err="1"/>
+              <a:t>Penjelasan</a:t>
+            </a:r>
+            <a:r>
+              <a:rPr lang="en-US" dirty="0"/>
+              <a:t> Dashboard</a:t>
+            </a:r>
+          </a:p>
+        </p:txBody>
+      </p:sp>
+      <p:sp>
+        <p:nvSpPr>
+          <p:cNvPr id="3" name="Content Placeholder 2">
+            <a:extLst>
+              <a:ext uri="{FF2B5EF4-FFF2-40B4-BE49-F238E27FC236}">
+                <a16:creationId xmlns:a16="http://schemas.microsoft.com/office/drawing/2014/main" id="{B5D77F0E-27CC-2972-845A-23C5016E2FEB}"/>
+              </a:ext>
+            </a:extLst>
+          </p:cNvPr>
+          <p:cNvSpPr>
+            <a:spLocks noGrp="1"/>
+          </p:cNvSpPr>
+          <p:nvPr>
+            <p:ph idx="1"/>
+          </p:nvPr>
+        </p:nvSpPr>
+        <p:spPr/>
+        <p:txBody>
+          <a:bodyPr/>
+          <a:lstStyle/>
+          <a:p>
+            <a:pPr>
+              <a:buNone/>
+            </a:pPr>
+            <a:r>
+              <a:rPr lang="en-US"/>
+              <a:t>Halaman dashboard </a:t>
+            </a:r>
+            <a:r>
+              <a:rPr lang="en-US" dirty="0" err="1"/>
+              <a:t>berisi</a:t>
+            </a:r>
+            <a:r>
+              <a:rPr lang="en-US" dirty="0"/>
+              <a:t> menu kopi yang </a:t>
+            </a:r>
+            <a:r>
+              <a:rPr lang="en-US" dirty="0" err="1"/>
+              <a:t>bisa</a:t>
+            </a:r>
+            <a:r>
+              <a:rPr lang="en-US" dirty="0"/>
+              <a:t> di </a:t>
+            </a:r>
+            <a:r>
+              <a:rPr lang="en-US" dirty="0" err="1"/>
+              <a:t>pilih</a:t>
+            </a:r>
+            <a:r>
+              <a:rPr lang="en-US" dirty="0"/>
+              <a:t> </a:t>
+            </a:r>
+            <a:r>
+              <a:rPr lang="en-US" dirty="0" err="1"/>
+              <a:t>pelanggan</a:t>
+            </a:r>
+            <a:r>
+              <a:rPr lang="en-US" dirty="0"/>
+              <a:t> dan burger menu yang </a:t>
+            </a:r>
+            <a:r>
+              <a:rPr lang="en-US" dirty="0" err="1"/>
+              <a:t>berisi</a:t>
+            </a:r>
+            <a:r>
+              <a:rPr lang="en-US" dirty="0"/>
+              <a:t> home, </a:t>
+            </a:r>
+            <a:r>
+              <a:rPr lang="en-US" dirty="0" err="1"/>
+              <a:t>profil</a:t>
+            </a:r>
+            <a:r>
+              <a:rPr lang="en-US" dirty="0"/>
+              <a:t>, </a:t>
+            </a:r>
+            <a:r>
+              <a:rPr lang="en-US" dirty="0" err="1"/>
+              <a:t>keluar</a:t>
+            </a:r>
+            <a:r>
+              <a:rPr lang="en-US" dirty="0"/>
+              <a:t>/log out</a:t>
+            </a:r>
+          </a:p>
+        </p:txBody>
+      </p:sp>
+    </p:spTree>
+    <p:extLst>
+      <p:ext uri="{BB962C8B-B14F-4D97-AF65-F5344CB8AC3E}">
+        <p14:creationId xmlns:p14="http://schemas.microsoft.com/office/powerpoint/2010/main" val="1927064292"/>
+      </p:ext>
+    </p:extLst>
+  </p:cSld>
+  <p:clrMapOvr>
+    <a:masterClrMapping/>
+  </p:clrMapOvr>
+</p:sld>
+</file>
+
+<file path=ppt/slides/slide13.xml><?xml version="1.0" encoding="utf-8"?>
+<p:sld xmlns:a="http://schemas.openxmlformats.org/drawingml/2006/main" xmlns:r="http://schemas.openxmlformats.org/officeDocument/2006/relationships" xmlns:p="http://schemas.openxmlformats.org/presentationml/2006/main">
+  <p:cSld>
+    <p:spTree>
+      <p:nvGrpSpPr>
+        <p:cNvPr id="1" name="">
+          <a:extLst>
+            <a:ext uri="{FF2B5EF4-FFF2-40B4-BE49-F238E27FC236}">
+              <a16:creationId xmlns:a16="http://schemas.microsoft.com/office/drawing/2014/main" id="{34E16942-B912-A96A-4693-8182B84B7689}"/>
+            </a:ext>
+          </a:extLst>
+        </p:cNvPr>
+        <p:cNvGrpSpPr/>
+        <p:nvPr/>
+      </p:nvGrpSpPr>
+      <p:grpSpPr>
+        <a:xfrm>
+          <a:off x="0" y="0"/>
+          <a:ext cx="0" cy="0"/>
+          <a:chOff x="0" y="0"/>
+          <a:chExt cx="0" cy="0"/>
+        </a:xfrm>
+      </p:grpSpPr>
+      <p:pic>
+        <p:nvPicPr>
+          <p:cNvPr id="5" name="Picture 4">
+            <a:extLst>
+              <a:ext uri="{FF2B5EF4-FFF2-40B4-BE49-F238E27FC236}">
+                <a16:creationId xmlns:a16="http://schemas.microsoft.com/office/drawing/2014/main" id="{3C3DD817-D86D-CC24-56D1-55A75F4D2D05}"/>
+              </a:ext>
+            </a:extLst>
+          </p:cNvPr>
+          <p:cNvPicPr>
+            <a:picLocks noChangeAspect="1"/>
+          </p:cNvPicPr>
+          <p:nvPr/>
+        </p:nvPicPr>
+        <p:blipFill>
+          <a:blip r:embed="rId2">
+            <a:extLst>
+              <a:ext uri="{28A0092B-C50C-407E-A947-70E740481C1C}">
+                <a14:useLocalDpi xmlns:a14="http://schemas.microsoft.com/office/drawing/2010/main" val="0"/>
+              </a:ext>
+            </a:extLst>
+          </a:blip>
+          <a:srcRect/>
+          <a:stretch/>
+        </p:blipFill>
+        <p:spPr>
+          <a:xfrm>
+            <a:off x="241636" y="751214"/>
+            <a:ext cx="11919171" cy="5492423"/>
+          </a:xfrm>
+          <a:prstGeom prst="rect">
+            <a:avLst/>
+          </a:prstGeom>
+        </p:spPr>
+      </p:pic>
+      <p:sp>
+        <p:nvSpPr>
+          <p:cNvPr id="2" name="Title 1">
+            <a:extLst>
+              <a:ext uri="{FF2B5EF4-FFF2-40B4-BE49-F238E27FC236}">
+                <a16:creationId xmlns:a16="http://schemas.microsoft.com/office/drawing/2014/main" id="{8E698E24-5E45-394D-358A-7A586B34EDD0}"/>
+              </a:ext>
+            </a:extLst>
+          </p:cNvPr>
+          <p:cNvSpPr>
+            <a:spLocks noGrp="1"/>
+          </p:cNvSpPr>
+          <p:nvPr>
+            <p:ph type="title"/>
+          </p:nvPr>
+        </p:nvSpPr>
+        <p:spPr/>
+        <p:txBody>
+          <a:bodyPr/>
+          <a:lstStyle/>
+          <a:p>
+            <a:r>
+              <a:rPr lang="en-US" b="1" dirty="0">
+                <a:solidFill>
+                  <a:schemeClr val="accent1"/>
+                </a:solidFill>
+              </a:rPr>
+              <a:t>8. Profile</a:t>
+            </a:r>
+          </a:p>
+        </p:txBody>
+      </p:sp>
+    </p:spTree>
+    <p:extLst>
+      <p:ext uri="{BB962C8B-B14F-4D97-AF65-F5344CB8AC3E}">
+        <p14:creationId xmlns:p14="http://schemas.microsoft.com/office/powerpoint/2010/main" val="841793132"/>
+      </p:ext>
+    </p:extLst>
+  </p:cSld>
+  <p:clrMapOvr>
+    <a:masterClrMapping/>
+  </p:clrMapOvr>
+</p:sld>
+</file>
+
+<file path=ppt/slides/slide14.xml><?xml version="1.0" encoding="utf-8"?>
+<p:sld xmlns:a="http://schemas.openxmlformats.org/drawingml/2006/main" xmlns:r="http://schemas.openxmlformats.org/officeDocument/2006/relationships" xmlns:p="http://schemas.openxmlformats.org/presentationml/2006/main">
+  <p:cSld>
+    <p:spTree>
+      <p:nvGrpSpPr>
+        <p:cNvPr id="1" name="">
+          <a:extLst>
+            <a:ext uri="{FF2B5EF4-FFF2-40B4-BE49-F238E27FC236}">
+              <a16:creationId xmlns:a16="http://schemas.microsoft.com/office/drawing/2014/main" id="{579F31A6-AE59-BBF0-6C7B-63A40E75447B}"/>
+            </a:ext>
+          </a:extLst>
+        </p:cNvPr>
+        <p:cNvGrpSpPr/>
+        <p:nvPr/>
+      </p:nvGrpSpPr>
+      <p:grpSpPr>
+        <a:xfrm>
+          <a:off x="0" y="0"/>
+          <a:ext cx="0" cy="0"/>
+          <a:chOff x="0" y="0"/>
+          <a:chExt cx="0" cy="0"/>
+        </a:xfrm>
+      </p:grpSpPr>
+      <p:sp>
+        <p:nvSpPr>
+          <p:cNvPr id="2" name="Title 1">
+            <a:extLst>
+              <a:ext uri="{FF2B5EF4-FFF2-40B4-BE49-F238E27FC236}">
+                <a16:creationId xmlns:a16="http://schemas.microsoft.com/office/drawing/2014/main" id="{3B00B00E-5D1F-2EC9-7251-DF4250648F94}"/>
+              </a:ext>
+            </a:extLst>
+          </p:cNvPr>
+          <p:cNvSpPr>
+            <a:spLocks noGrp="1"/>
+          </p:cNvSpPr>
+          <p:nvPr>
+            <p:ph type="title"/>
+          </p:nvPr>
+        </p:nvSpPr>
+        <p:spPr/>
+        <p:txBody>
+          <a:bodyPr/>
+          <a:lstStyle/>
+          <a:p>
+            <a:r>
+              <a:rPr lang="en-US" dirty="0" err="1"/>
+              <a:t>Penjelasan</a:t>
+            </a:r>
+            <a:r>
+              <a:rPr lang="en-US" dirty="0"/>
+              <a:t> Profile</a:t>
+            </a:r>
+          </a:p>
+        </p:txBody>
+      </p:sp>
+      <p:sp>
+        <p:nvSpPr>
+          <p:cNvPr id="3" name="Content Placeholder 2">
+            <a:extLst>
+              <a:ext uri="{FF2B5EF4-FFF2-40B4-BE49-F238E27FC236}">
+                <a16:creationId xmlns:a16="http://schemas.microsoft.com/office/drawing/2014/main" id="{611F22D7-F18B-475C-7BCD-A4A14DEBEC81}"/>
+              </a:ext>
+            </a:extLst>
+          </p:cNvPr>
+          <p:cNvSpPr>
+            <a:spLocks noGrp="1"/>
+          </p:cNvSpPr>
+          <p:nvPr>
+            <p:ph idx="1"/>
+          </p:nvPr>
+        </p:nvSpPr>
+        <p:spPr/>
+        <p:txBody>
+          <a:bodyPr/>
+          <a:lstStyle/>
+          <a:p>
+            <a:pPr>
+              <a:buNone/>
+            </a:pPr>
+            <a:r>
+              <a:rPr lang="en-US" dirty="0"/>
+              <a:t>Halaman profile </a:t>
+            </a:r>
+            <a:r>
+              <a:rPr lang="en-US" dirty="0" err="1"/>
+              <a:t>berisi</a:t>
+            </a:r>
+            <a:r>
+              <a:rPr lang="en-US" dirty="0"/>
+              <a:t> nama, email, </a:t>
+            </a:r>
+            <a:r>
+              <a:rPr lang="en-US" dirty="0" err="1"/>
+              <a:t>berlangganan</a:t>
+            </a:r>
+            <a:r>
+              <a:rPr lang="en-US" dirty="0"/>
+              <a:t> </a:t>
+            </a:r>
+            <a:r>
+              <a:rPr lang="en-US" dirty="0" err="1"/>
+              <a:t>sejak</a:t>
+            </a:r>
+            <a:r>
+              <a:rPr lang="en-US" dirty="0"/>
+              <a:t> </a:t>
+            </a:r>
+            <a:r>
+              <a:rPr lang="en-US" dirty="0" err="1"/>
+              <a:t>kapan</a:t>
+            </a:r>
+            <a:r>
+              <a:rPr lang="en-US" dirty="0"/>
+              <a:t>. </a:t>
+            </a:r>
+          </a:p>
+        </p:txBody>
+      </p:sp>
+    </p:spTree>
+    <p:extLst>
+      <p:ext uri="{BB962C8B-B14F-4D97-AF65-F5344CB8AC3E}">
+        <p14:creationId xmlns:p14="http://schemas.microsoft.com/office/powerpoint/2010/main" val="4176818668"/>
+      </p:ext>
+    </p:extLst>
+  </p:cSld>
+  <p:clrMapOvr>
+    <a:masterClrMapping/>
+  </p:clrMapOvr>
+</p:sld>
+</file>
+
+<file path=ppt/slides/slide15.xml><?xml version="1.0" encoding="utf-8"?>
+<p:sld xmlns:a="http://schemas.openxmlformats.org/drawingml/2006/main" xmlns:r="http://schemas.openxmlformats.org/officeDocument/2006/relationships" xmlns:p="http://schemas.openxmlformats.org/presentationml/2006/main">
+  <p:cSld>
+    <p:spTree>
+      <p:nvGrpSpPr>
+        <p:cNvPr id="1" name="">
+          <a:extLst>
+            <a:ext uri="{FF2B5EF4-FFF2-40B4-BE49-F238E27FC236}">
+              <a16:creationId xmlns:a16="http://schemas.microsoft.com/office/drawing/2014/main" id="{E42198E7-5ADF-10F7-9D07-628D7B24CDE7}"/>
+            </a:ext>
+          </a:extLst>
+        </p:cNvPr>
+        <p:cNvGrpSpPr/>
+        <p:nvPr/>
+      </p:nvGrpSpPr>
+      <p:grpSpPr>
+        <a:xfrm>
+          <a:off x="0" y="0"/>
+          <a:ext cx="0" cy="0"/>
+          <a:chOff x="0" y="0"/>
+          <a:chExt cx="0" cy="0"/>
+        </a:xfrm>
+      </p:grpSpPr>
+      <p:pic>
+        <p:nvPicPr>
+          <p:cNvPr id="5" name="Picture 4">
+            <a:extLst>
+              <a:ext uri="{FF2B5EF4-FFF2-40B4-BE49-F238E27FC236}">
+                <a16:creationId xmlns:a16="http://schemas.microsoft.com/office/drawing/2014/main" id="{0C223BB3-2E7B-AECC-F9C6-42E696986950}"/>
+              </a:ext>
+            </a:extLst>
+          </p:cNvPr>
+          <p:cNvPicPr>
+            <a:picLocks noChangeAspect="1"/>
+          </p:cNvPicPr>
+          <p:nvPr/>
+        </p:nvPicPr>
+        <p:blipFill>
+          <a:blip r:embed="rId2">
+            <a:extLst>
+              <a:ext uri="{28A0092B-C50C-407E-A947-70E740481C1C}">
+                <a14:useLocalDpi xmlns:a14="http://schemas.microsoft.com/office/drawing/2010/main" val="0"/>
+              </a:ext>
+            </a:extLst>
+          </a:blip>
+          <a:srcRect/>
+          <a:stretch/>
+        </p:blipFill>
+        <p:spPr>
+          <a:xfrm>
+            <a:off x="269926" y="751214"/>
+            <a:ext cx="11862591" cy="5492423"/>
+          </a:xfrm>
+          <a:prstGeom prst="rect">
+            <a:avLst/>
+          </a:prstGeom>
+        </p:spPr>
+      </p:pic>
+      <p:sp>
+        <p:nvSpPr>
+          <p:cNvPr id="2" name="Title 1">
+            <a:extLst>
+              <a:ext uri="{FF2B5EF4-FFF2-40B4-BE49-F238E27FC236}">
+                <a16:creationId xmlns:a16="http://schemas.microsoft.com/office/drawing/2014/main" id="{36DB6B9F-BD06-B99E-2CBA-91AEF7228F2D}"/>
+              </a:ext>
+            </a:extLst>
+          </p:cNvPr>
+          <p:cNvSpPr>
+            <a:spLocks noGrp="1"/>
+          </p:cNvSpPr>
+          <p:nvPr>
+            <p:ph type="title"/>
+          </p:nvPr>
+        </p:nvSpPr>
+        <p:spPr/>
+        <p:txBody>
+          <a:bodyPr/>
+          <a:lstStyle/>
+          <a:p>
+            <a:r>
+              <a:rPr lang="en-US" b="1" dirty="0">
+                <a:solidFill>
+                  <a:schemeClr val="accent1"/>
+                </a:solidFill>
+              </a:rPr>
+              <a:t>9. </a:t>
+            </a:r>
+            <a:r>
+              <a:rPr lang="en-US" b="1" dirty="0" err="1">
+                <a:solidFill>
+                  <a:schemeClr val="accent1"/>
+                </a:solidFill>
+              </a:rPr>
+              <a:t>Pemesanan</a:t>
+            </a:r>
+            <a:endParaRPr lang="en-US" b="1" dirty="0">
+              <a:solidFill>
+                <a:schemeClr val="accent1"/>
+              </a:solidFill>
+            </a:endParaRPr>
+          </a:p>
+        </p:txBody>
+      </p:sp>
+    </p:spTree>
+    <p:extLst>
+      <p:ext uri="{BB962C8B-B14F-4D97-AF65-F5344CB8AC3E}">
+        <p14:creationId xmlns:p14="http://schemas.microsoft.com/office/powerpoint/2010/main" val="3855109629"/>
+      </p:ext>
+    </p:extLst>
+  </p:cSld>
+  <p:clrMapOvr>
+    <a:masterClrMapping/>
+  </p:clrMapOvr>
+</p:sld>
+</file>
+
+<file path=ppt/slides/slide16.xml><?xml version="1.0" encoding="utf-8"?>
+<p:sld xmlns:a="http://schemas.openxmlformats.org/drawingml/2006/main" xmlns:r="http://schemas.openxmlformats.org/officeDocument/2006/relationships" xmlns:p="http://schemas.openxmlformats.org/presentationml/2006/main">
+  <p:cSld>
+    <p:spTree>
+      <p:nvGrpSpPr>
+        <p:cNvPr id="1" name="">
+          <a:extLst>
+            <a:ext uri="{FF2B5EF4-FFF2-40B4-BE49-F238E27FC236}">
+              <a16:creationId xmlns:a16="http://schemas.microsoft.com/office/drawing/2014/main" id="{E42B0C7B-E256-F57E-F2A6-8DC5EA56D790}"/>
+            </a:ext>
+          </a:extLst>
+        </p:cNvPr>
+        <p:cNvGrpSpPr/>
+        <p:nvPr/>
+      </p:nvGrpSpPr>
+      <p:grpSpPr>
+        <a:xfrm>
+          <a:off x="0" y="0"/>
+          <a:ext cx="0" cy="0"/>
+          <a:chOff x="0" y="0"/>
+          <a:chExt cx="0" cy="0"/>
+        </a:xfrm>
+      </p:grpSpPr>
+      <p:sp>
+        <p:nvSpPr>
+          <p:cNvPr id="2" name="Title 1">
+            <a:extLst>
+              <a:ext uri="{FF2B5EF4-FFF2-40B4-BE49-F238E27FC236}">
+                <a16:creationId xmlns:a16="http://schemas.microsoft.com/office/drawing/2014/main" id="{DBA750B2-E06C-0D62-AF87-9D2F7981F5C9}"/>
+              </a:ext>
+            </a:extLst>
+          </p:cNvPr>
+          <p:cNvSpPr>
+            <a:spLocks noGrp="1"/>
+          </p:cNvSpPr>
+          <p:nvPr>
+            <p:ph type="title"/>
+          </p:nvPr>
+        </p:nvSpPr>
+        <p:spPr/>
+        <p:txBody>
+          <a:bodyPr/>
+          <a:lstStyle/>
+          <a:p>
+            <a:r>
+              <a:rPr lang="en-US" dirty="0" err="1"/>
+              <a:t>Penjelasan</a:t>
+            </a:r>
+            <a:r>
+              <a:rPr lang="en-US" dirty="0"/>
+              <a:t> </a:t>
+            </a:r>
+            <a:r>
+              <a:rPr lang="en-US" dirty="0" err="1"/>
+              <a:t>Pemasanan</a:t>
+            </a:r>
+            <a:endParaRPr lang="en-US" dirty="0"/>
+          </a:p>
+        </p:txBody>
+      </p:sp>
+      <p:sp>
+        <p:nvSpPr>
+          <p:cNvPr id="3" name="Content Placeholder 2">
+            <a:extLst>
+              <a:ext uri="{FF2B5EF4-FFF2-40B4-BE49-F238E27FC236}">
+                <a16:creationId xmlns:a16="http://schemas.microsoft.com/office/drawing/2014/main" id="{18C29757-0D12-1F7F-25A6-BC63E252C3D3}"/>
+              </a:ext>
+            </a:extLst>
+          </p:cNvPr>
+          <p:cNvSpPr>
+            <a:spLocks noGrp="1"/>
+          </p:cNvSpPr>
+          <p:nvPr>
+            <p:ph idx="1"/>
+          </p:nvPr>
+        </p:nvSpPr>
+        <p:spPr/>
+        <p:txBody>
+          <a:bodyPr/>
+          <a:lstStyle/>
+          <a:p>
+            <a:pPr>
+              <a:buNone/>
+            </a:pPr>
+            <a:r>
+              <a:rPr lang="en-US" dirty="0"/>
+              <a:t>Halaman </a:t>
+            </a:r>
+            <a:r>
+              <a:rPr lang="en-US" dirty="0" err="1"/>
+              <a:t>ini</a:t>
+            </a:r>
+            <a:r>
+              <a:rPr lang="en-US" dirty="0"/>
+              <a:t> </a:t>
+            </a:r>
+            <a:r>
+              <a:rPr lang="en-US" dirty="0" err="1"/>
+              <a:t>bisa</a:t>
+            </a:r>
+            <a:r>
+              <a:rPr lang="en-US" dirty="0"/>
+              <a:t> di </a:t>
+            </a:r>
+            <a:r>
+              <a:rPr lang="en-US" dirty="0" err="1"/>
+              <a:t>akses</a:t>
+            </a:r>
+            <a:r>
+              <a:rPr lang="en-US" dirty="0"/>
+              <a:t> </a:t>
+            </a:r>
+            <a:r>
+              <a:rPr lang="en-US" dirty="0" err="1"/>
+              <a:t>jika</a:t>
+            </a:r>
+            <a:r>
+              <a:rPr lang="en-US" dirty="0"/>
+              <a:t> </a:t>
+            </a:r>
+            <a:r>
+              <a:rPr lang="en-US" dirty="0" err="1"/>
+              <a:t>pelanggan</a:t>
+            </a:r>
+            <a:r>
+              <a:rPr lang="en-US" dirty="0"/>
+              <a:t> </a:t>
+            </a:r>
+            <a:r>
+              <a:rPr lang="en-US" dirty="0" err="1"/>
+              <a:t>memesan</a:t>
+            </a:r>
+            <a:r>
+              <a:rPr lang="en-US" dirty="0"/>
+              <a:t> kopi, </a:t>
+            </a:r>
+            <a:r>
+              <a:rPr lang="en-US" dirty="0" err="1"/>
+              <a:t>akan</a:t>
+            </a:r>
+            <a:r>
+              <a:rPr lang="en-US" dirty="0"/>
+              <a:t> </a:t>
+            </a:r>
+            <a:r>
+              <a:rPr lang="en-US" dirty="0" err="1"/>
+              <a:t>menuju</a:t>
+            </a:r>
+            <a:r>
+              <a:rPr lang="en-US" dirty="0"/>
+              <a:t> </a:t>
+            </a:r>
+            <a:r>
+              <a:rPr lang="en-US" dirty="0" err="1"/>
+              <a:t>ke</a:t>
+            </a:r>
+            <a:r>
+              <a:rPr lang="en-US" dirty="0"/>
+              <a:t> page </a:t>
+            </a:r>
+            <a:r>
+              <a:rPr lang="en-US" dirty="0" err="1"/>
+              <a:t>ini</a:t>
+            </a:r>
+            <a:r>
+              <a:rPr lang="en-US" dirty="0"/>
+              <a:t> yang </a:t>
+            </a:r>
+            <a:r>
+              <a:rPr lang="en-US" dirty="0" err="1"/>
+              <a:t>berisi</a:t>
+            </a:r>
+            <a:r>
+              <a:rPr lang="en-US" dirty="0"/>
+              <a:t> from data </a:t>
+            </a:r>
+            <a:r>
+              <a:rPr lang="en-US" dirty="0" err="1"/>
+              <a:t>pemesan</a:t>
+            </a:r>
+            <a:r>
+              <a:rPr lang="en-US" dirty="0"/>
+              <a:t>. </a:t>
+            </a:r>
+          </a:p>
+        </p:txBody>
+      </p:sp>
+    </p:spTree>
+    <p:extLst>
+      <p:ext uri="{BB962C8B-B14F-4D97-AF65-F5344CB8AC3E}">
+        <p14:creationId xmlns:p14="http://schemas.microsoft.com/office/powerpoint/2010/main" val="891372379"/>
+      </p:ext>
+    </p:extLst>
+  </p:cSld>
+  <p:clrMapOvr>
+    <a:masterClrMapping/>
+  </p:clrMapOvr>
+</p:sld>
+</file>
+
+<file path=ppt/slides/slide17.xml><?xml version="1.0" encoding="utf-8"?>
 <p:sld xmlns:a="http://schemas.openxmlformats.org/drawingml/2006/main" xmlns:r="http://schemas.openxmlformats.org/officeDocument/2006/relationships" xmlns:p="http://schemas.openxmlformats.org/presentationml/2006/main">
   <p:cSld>
     <p:spTree>
@@ -14431,7 +15055,7 @@
 </p:sld>
 </file>
 
-<file path=ppt/slides/slide12.xml><?xml version="1.0" encoding="utf-8"?>
+<file path=ppt/slides/slide18.xml><?xml version="1.0" encoding="utf-8"?>
 <p:sld xmlns:a="http://schemas.openxmlformats.org/drawingml/2006/main" xmlns:r="http://schemas.openxmlformats.org/officeDocument/2006/relationships" xmlns:p="http://schemas.openxmlformats.org/presentationml/2006/main">
   <p:cSld>
     <p:spTree>
@@ -17505,22 +18129,6 @@
               <a:t>Landing page </a:t>
             </a:r>
             <a:r>
-              <a:rPr lang="en-US" b="1" dirty="0"/>
-              <a:t>Jawa Cafe</a:t>
-            </a:r>
-            <a:r>
-              <a:rPr lang="en-US" dirty="0"/>
-              <a:t> </a:t>
-            </a:r>
-            <a:r>
-              <a:rPr lang="en-US" dirty="0" err="1"/>
-              <a:t>dirancang</a:t>
-            </a:r>
-            <a:r>
-              <a:rPr lang="en-US" dirty="0"/>
-              <a:t> </a:t>
-            </a:r>
-            <a:r>
               <a:rPr lang="en-US" dirty="0" err="1"/>
               <a:t>untuk</a:t>
             </a:r>
@@ -17800,199 +18408,6 @@
               <a:rPr lang="en-US" dirty="0"/>
               <a:t>.</a:t>
             </a:r>
-          </a:p>
-          <a:p>
-            <a:r>
-              <a:rPr lang="en-US" dirty="0"/>
-              <a:t>Tujuan </a:t>
-            </a:r>
-            <a:r>
-              <a:rPr lang="en-US" dirty="0" err="1"/>
-              <a:t>utama</a:t>
-            </a:r>
-            <a:r>
-              <a:rPr lang="en-US" dirty="0"/>
-              <a:t> </a:t>
-            </a:r>
-            <a:r>
-              <a:rPr lang="en-US" dirty="0" err="1"/>
-              <a:t>dari</a:t>
-            </a:r>
-            <a:r>
-              <a:rPr lang="en-US" dirty="0"/>
-              <a:t> landing page </a:t>
-            </a:r>
-            <a:r>
-              <a:rPr lang="en-US" dirty="0" err="1"/>
-              <a:t>ini</a:t>
-            </a:r>
-            <a:r>
-              <a:rPr lang="en-US" dirty="0"/>
-              <a:t> </a:t>
-            </a:r>
-            <a:r>
-              <a:rPr lang="en-US" dirty="0" err="1"/>
-              <a:t>adalah</a:t>
-            </a:r>
-            <a:r>
-              <a:rPr lang="en-US" dirty="0"/>
-              <a:t> </a:t>
-            </a:r>
-            <a:r>
-              <a:rPr lang="en-US" dirty="0" err="1"/>
-              <a:t>untuk</a:t>
-            </a:r>
-            <a:r>
-              <a:rPr lang="en-US" dirty="0"/>
-              <a:t> </a:t>
-            </a:r>
-            <a:r>
-              <a:rPr lang="en-US" dirty="0" err="1"/>
-              <a:t>memperkenalkan</a:t>
-            </a:r>
-            <a:r>
-              <a:rPr lang="en-US" dirty="0"/>
-              <a:t> </a:t>
-            </a:r>
-            <a:r>
-              <a:rPr lang="en-US" b="1" dirty="0"/>
-              <a:t>Jawa Cafe</a:t>
-            </a:r>
-            <a:r>
-              <a:rPr lang="en-US" dirty="0"/>
-              <a:t> </a:t>
-            </a:r>
-            <a:r>
-              <a:rPr lang="en-US" dirty="0" err="1"/>
-              <a:t>kepada</a:t>
-            </a:r>
-            <a:r>
-              <a:rPr lang="en-US" dirty="0"/>
-              <a:t> </a:t>
-            </a:r>
-            <a:r>
-              <a:rPr lang="en-US" dirty="0" err="1"/>
-              <a:t>pengunjung</a:t>
-            </a:r>
-            <a:r>
-              <a:rPr lang="en-US" dirty="0"/>
-              <a:t>, </a:t>
-            </a:r>
-            <a:r>
-              <a:rPr lang="en-US" dirty="0" err="1"/>
-              <a:t>meningkatkan</a:t>
-            </a:r>
-            <a:r>
-              <a:rPr lang="en-US" dirty="0"/>
-              <a:t> </a:t>
-            </a:r>
-            <a:r>
-              <a:rPr lang="en-US" dirty="0" err="1"/>
-              <a:t>interaksi</a:t>
-            </a:r>
-            <a:r>
-              <a:rPr lang="en-US" dirty="0"/>
-              <a:t> </a:t>
-            </a:r>
-            <a:r>
-              <a:rPr lang="en-US" dirty="0" err="1"/>
-              <a:t>melalui</a:t>
-            </a:r>
-            <a:r>
-              <a:rPr lang="en-US" dirty="0"/>
-              <a:t> </a:t>
-            </a:r>
-            <a:r>
-              <a:rPr lang="en-US" dirty="0" err="1"/>
-              <a:t>fitur</a:t>
-            </a:r>
-            <a:r>
-              <a:rPr lang="en-US" dirty="0"/>
-              <a:t> </a:t>
-            </a:r>
-            <a:r>
-              <a:rPr lang="en-US" dirty="0" err="1"/>
-              <a:t>pemesanan</a:t>
-            </a:r>
-            <a:r>
-              <a:rPr lang="en-US" dirty="0"/>
-              <a:t>, </a:t>
-            </a:r>
-            <a:r>
-              <a:rPr lang="en-US" dirty="0" err="1"/>
-              <a:t>serta</a:t>
-            </a:r>
-            <a:r>
-              <a:rPr lang="en-US" dirty="0"/>
-              <a:t> </a:t>
-            </a:r>
-            <a:r>
-              <a:rPr lang="en-US" dirty="0" err="1"/>
-              <a:t>memudahkan</a:t>
-            </a:r>
-            <a:r>
-              <a:rPr lang="en-US" dirty="0"/>
-              <a:t> </a:t>
-            </a:r>
-            <a:r>
-              <a:rPr lang="en-US" dirty="0" err="1"/>
-              <a:t>pengunjung</a:t>
-            </a:r>
-            <a:r>
-              <a:rPr lang="en-US" dirty="0"/>
-              <a:t> </a:t>
-            </a:r>
-            <a:r>
-              <a:rPr lang="en-US" dirty="0" err="1"/>
-              <a:t>menemukan</a:t>
-            </a:r>
-            <a:r>
-              <a:rPr lang="en-US" dirty="0"/>
-              <a:t> </a:t>
-            </a:r>
-            <a:r>
-              <a:rPr lang="en-US" dirty="0" err="1"/>
-              <a:t>informasi</a:t>
-            </a:r>
-            <a:r>
-              <a:rPr lang="en-US" dirty="0"/>
-              <a:t> </a:t>
-            </a:r>
-            <a:r>
-              <a:rPr lang="en-US" dirty="0" err="1"/>
-              <a:t>terkait</a:t>
-            </a:r>
-            <a:r>
-              <a:rPr lang="en-US" dirty="0"/>
-              <a:t> </a:t>
-            </a:r>
-            <a:r>
-              <a:rPr lang="en-US" dirty="0" err="1"/>
-              <a:t>layanan</a:t>
-            </a:r>
-            <a:r>
-              <a:rPr lang="en-US" dirty="0"/>
-              <a:t> dan promo yang </a:t>
-            </a:r>
-            <a:r>
-              <a:rPr lang="en-US" dirty="0" err="1"/>
-              <a:t>sedang</a:t>
-            </a:r>
-            <a:r>
-              <a:rPr lang="en-US" dirty="0"/>
-              <a:t> </a:t>
-            </a:r>
-            <a:r>
-              <a:rPr lang="en-US" dirty="0" err="1"/>
-              <a:t>berlangsung</a:t>
-            </a:r>
-            <a:r>
-              <a:rPr lang="en-US" dirty="0"/>
-              <a:t>.</a:t>
-            </a:r>
-          </a:p>
-          <a:p>
-            <a:endParaRPr lang="en-US" dirty="0"/>
           </a:p>
         </p:txBody>
       </p:sp>
@@ -18190,22 +18605,6 @@
               <a:t>Login page </a:t>
             </a:r>
             <a:r>
-              <a:rPr lang="en-US" b="1" dirty="0"/>
-              <a:t>Jawa Cafe</a:t>
-            </a:r>
-            <a:r>
-              <a:rPr lang="en-US" dirty="0"/>
-              <a:t> </a:t>
-            </a:r>
-            <a:r>
-              <a:rPr lang="en-US" dirty="0" err="1"/>
-              <a:t>dirancang</a:t>
-            </a:r>
-            <a:r>
-              <a:rPr lang="en-US" dirty="0"/>
-              <a:t> </a:t>
-            </a:r>
-            <a:r>
               <a:rPr lang="en-US" dirty="0" err="1"/>
               <a:t>untuk</a:t>
             </a:r>
@@ -18492,172 +18891,6 @@
             <a:r>
               <a:rPr lang="en-US" dirty="0"/>
               <a:t> username dan password.</a:t>
-            </a:r>
-          </a:p>
-          <a:p>
-            <a:r>
-              <a:rPr lang="en-US" dirty="0"/>
-              <a:t>Tujuan </a:t>
-            </a:r>
-            <a:r>
-              <a:rPr lang="en-US" dirty="0" err="1"/>
-              <a:t>utama</a:t>
-            </a:r>
-            <a:r>
-              <a:rPr lang="en-US" dirty="0"/>
-              <a:t> </a:t>
-            </a:r>
-            <a:r>
-              <a:rPr lang="en-US" dirty="0" err="1"/>
-              <a:t>dari</a:t>
-            </a:r>
-            <a:r>
-              <a:rPr lang="en-US" dirty="0"/>
-              <a:t> </a:t>
-            </a:r>
-            <a:r>
-              <a:rPr lang="en-US" dirty="0" err="1"/>
-              <a:t>halaman</a:t>
-            </a:r>
-            <a:r>
-              <a:rPr lang="en-US" dirty="0"/>
-              <a:t> login </a:t>
-            </a:r>
-            <a:r>
-              <a:rPr lang="en-US" dirty="0" err="1"/>
-              <a:t>adalah</a:t>
-            </a:r>
-            <a:r>
-              <a:rPr lang="en-US" dirty="0"/>
-              <a:t> </a:t>
-            </a:r>
-            <a:r>
-              <a:rPr lang="en-US" dirty="0" err="1"/>
-              <a:t>memberikan</a:t>
-            </a:r>
-            <a:r>
-              <a:rPr lang="en-US" dirty="0"/>
-              <a:t> </a:t>
-            </a:r>
-            <a:r>
-              <a:rPr lang="en-US" dirty="0" err="1"/>
-              <a:t>kenyamanan</a:t>
-            </a:r>
-            <a:r>
-              <a:rPr lang="en-US" dirty="0"/>
-              <a:t> </a:t>
-            </a:r>
-            <a:r>
-              <a:rPr lang="en-US" dirty="0" err="1"/>
-              <a:t>bagi</a:t>
-            </a:r>
-            <a:r>
-              <a:rPr lang="en-US" dirty="0"/>
-              <a:t> </a:t>
-            </a:r>
-            <a:r>
-              <a:rPr lang="en-US" dirty="0" err="1"/>
-              <a:t>pelanggan</a:t>
-            </a:r>
-            <a:r>
-              <a:rPr lang="en-US" dirty="0"/>
-              <a:t> </a:t>
-            </a:r>
-            <a:r>
-              <a:rPr lang="en-US" dirty="0" err="1"/>
-              <a:t>setia</a:t>
-            </a:r>
-            <a:r>
-              <a:rPr lang="en-US" dirty="0"/>
-              <a:t> </a:t>
-            </a:r>
-            <a:r>
-              <a:rPr lang="en-US" dirty="0" err="1"/>
-              <a:t>untuk</a:t>
-            </a:r>
-            <a:r>
-              <a:rPr lang="en-US" dirty="0"/>
-              <a:t> </a:t>
-            </a:r>
-            <a:r>
-              <a:rPr lang="en-US" dirty="0" err="1"/>
-              <a:t>mengakses</a:t>
-            </a:r>
-            <a:r>
-              <a:rPr lang="en-US" dirty="0"/>
-              <a:t> </a:t>
-            </a:r>
-            <a:r>
-              <a:rPr lang="en-US" dirty="0" err="1"/>
-              <a:t>akun</a:t>
-            </a:r>
-            <a:r>
-              <a:rPr lang="en-US" dirty="0"/>
-              <a:t> </a:t>
-            </a:r>
-            <a:r>
-              <a:rPr lang="en-US" dirty="0" err="1"/>
-              <a:t>mereka</a:t>
-            </a:r>
-            <a:r>
-              <a:rPr lang="en-US" dirty="0"/>
-              <a:t>, </a:t>
-            </a:r>
-            <a:r>
-              <a:rPr lang="en-US" dirty="0" err="1"/>
-              <a:t>mempercepat</a:t>
-            </a:r>
-            <a:r>
-              <a:rPr lang="en-US" dirty="0"/>
-              <a:t> proses </a:t>
-            </a:r>
-            <a:r>
-              <a:rPr lang="en-US" dirty="0" err="1"/>
-              <a:t>pemesanan</a:t>
-            </a:r>
-            <a:r>
-              <a:rPr lang="en-US" dirty="0"/>
-              <a:t>, </a:t>
-            </a:r>
-            <a:r>
-              <a:rPr lang="en-US" dirty="0" err="1"/>
-              <a:t>serta</a:t>
-            </a:r>
-            <a:r>
-              <a:rPr lang="en-US" dirty="0"/>
-              <a:t> </a:t>
-            </a:r>
-            <a:r>
-              <a:rPr lang="en-US" dirty="0" err="1"/>
-              <a:t>menjaga</a:t>
-            </a:r>
-            <a:r>
-              <a:rPr lang="en-US" dirty="0"/>
-              <a:t> data </a:t>
-            </a:r>
-            <a:r>
-              <a:rPr lang="en-US" dirty="0" err="1"/>
-              <a:t>pelanggan</a:t>
-            </a:r>
-            <a:r>
-              <a:rPr lang="en-US" dirty="0"/>
-              <a:t> agar </a:t>
-            </a:r>
-            <a:r>
-              <a:rPr lang="en-US" dirty="0" err="1"/>
-              <a:t>lebih</a:t>
-            </a:r>
-            <a:r>
-              <a:rPr lang="en-US" dirty="0"/>
-              <a:t> </a:t>
-            </a:r>
-            <a:r>
-              <a:rPr lang="en-US" dirty="0" err="1"/>
-              <a:t>aman</a:t>
-            </a:r>
-            <a:r>
-              <a:rPr lang="en-US" dirty="0"/>
-              <a:t>.</a:t>
             </a:r>
           </a:p>
         </p:txBody>
